--- a/JeanPiaget/Presentaciones/UltimaClase.pptx
+++ b/JeanPiaget/Presentaciones/UltimaClase.pptx
@@ -318,7 +318,7 @@
           <a:p>
             <a:fld id="{37339F6B-0B32-4393-B1C6-2BE3B7BC88E5}" type="datetimeFigureOut">
               <a:rPr lang="es-MX" smtClean="0"/>
-              <a:t>05/04/2019</a:t>
+              <a:t>08/04/2019</a:t>
             </a:fld>
             <a:endParaRPr lang="es-MX"/>
           </a:p>
@@ -656,7 +656,7 @@
           <a:p>
             <a:fld id="{37339F6B-0B32-4393-B1C6-2BE3B7BC88E5}" type="datetimeFigureOut">
               <a:rPr lang="es-MX" smtClean="0"/>
-              <a:t>05/04/2019</a:t>
+              <a:t>08/04/2019</a:t>
             </a:fld>
             <a:endParaRPr lang="es-MX"/>
           </a:p>
@@ -1057,7 +1057,7 @@
           <a:p>
             <a:fld id="{37339F6B-0B32-4393-B1C6-2BE3B7BC88E5}" type="datetimeFigureOut">
               <a:rPr lang="es-MX" smtClean="0"/>
-              <a:t>05/04/2019</a:t>
+              <a:t>08/04/2019</a:t>
             </a:fld>
             <a:endParaRPr lang="es-MX"/>
           </a:p>
@@ -1393,7 +1393,7 @@
           <a:p>
             <a:fld id="{37339F6B-0B32-4393-B1C6-2BE3B7BC88E5}" type="datetimeFigureOut">
               <a:rPr lang="es-MX" smtClean="0"/>
-              <a:t>05/04/2019</a:t>
+              <a:t>08/04/2019</a:t>
             </a:fld>
             <a:endParaRPr lang="es-MX"/>
           </a:p>
@@ -1713,7 +1713,7 @@
           <a:p>
             <a:fld id="{37339F6B-0B32-4393-B1C6-2BE3B7BC88E5}" type="datetimeFigureOut">
               <a:rPr lang="es-MX" smtClean="0"/>
-              <a:t>05/04/2019</a:t>
+              <a:t>08/04/2019</a:t>
             </a:fld>
             <a:endParaRPr lang="es-MX"/>
           </a:p>
@@ -2109,7 +2109,7 @@
           <a:p>
             <a:fld id="{37339F6B-0B32-4393-B1C6-2BE3B7BC88E5}" type="datetimeFigureOut">
               <a:rPr lang="es-MX" smtClean="0"/>
-              <a:t>05/04/2019</a:t>
+              <a:t>08/04/2019</a:t>
             </a:fld>
             <a:endParaRPr lang="es-MX"/>
           </a:p>
@@ -2366,7 +2366,7 @@
           <a:p>
             <a:fld id="{37339F6B-0B32-4393-B1C6-2BE3B7BC88E5}" type="datetimeFigureOut">
               <a:rPr lang="es-MX" smtClean="0"/>
-              <a:t>05/04/2019</a:t>
+              <a:t>08/04/2019</a:t>
             </a:fld>
             <a:endParaRPr lang="es-MX"/>
           </a:p>
@@ -2628,7 +2628,7 @@
           <a:p>
             <a:fld id="{37339F6B-0B32-4393-B1C6-2BE3B7BC88E5}" type="datetimeFigureOut">
               <a:rPr lang="es-MX" smtClean="0"/>
-              <a:t>05/04/2019</a:t>
+              <a:t>08/04/2019</a:t>
             </a:fld>
             <a:endParaRPr lang="es-MX"/>
           </a:p>
@@ -2890,7 +2890,7 @@
           <a:p>
             <a:fld id="{37339F6B-0B32-4393-B1C6-2BE3B7BC88E5}" type="datetimeFigureOut">
               <a:rPr lang="es-MX" smtClean="0"/>
-              <a:t>05/04/2019</a:t>
+              <a:t>08/04/2019</a:t>
             </a:fld>
             <a:endParaRPr lang="es-MX"/>
           </a:p>
@@ -3219,7 +3219,7 @@
           <a:p>
             <a:fld id="{37339F6B-0B32-4393-B1C6-2BE3B7BC88E5}" type="datetimeFigureOut">
               <a:rPr lang="es-MX" smtClean="0"/>
-              <a:t>05/04/2019</a:t>
+              <a:t>08/04/2019</a:t>
             </a:fld>
             <a:endParaRPr lang="es-MX"/>
           </a:p>
@@ -3542,7 +3542,7 @@
           <a:p>
             <a:fld id="{37339F6B-0B32-4393-B1C6-2BE3B7BC88E5}" type="datetimeFigureOut">
               <a:rPr lang="es-MX" smtClean="0"/>
-              <a:t>05/04/2019</a:t>
+              <a:t>08/04/2019</a:t>
             </a:fld>
             <a:endParaRPr lang="es-MX"/>
           </a:p>
@@ -3999,7 +3999,7 @@
           <a:p>
             <a:fld id="{37339F6B-0B32-4393-B1C6-2BE3B7BC88E5}" type="datetimeFigureOut">
               <a:rPr lang="es-MX" smtClean="0"/>
-              <a:t>05/04/2019</a:t>
+              <a:t>08/04/2019</a:t>
             </a:fld>
             <a:endParaRPr lang="es-MX"/>
           </a:p>
@@ -4204,7 +4204,7 @@
           <a:p>
             <a:fld id="{37339F6B-0B32-4393-B1C6-2BE3B7BC88E5}" type="datetimeFigureOut">
               <a:rPr lang="es-MX" smtClean="0"/>
-              <a:t>05/04/2019</a:t>
+              <a:t>08/04/2019</a:t>
             </a:fld>
             <a:endParaRPr lang="es-MX"/>
           </a:p>
@@ -4381,7 +4381,7 @@
           <a:p>
             <a:fld id="{37339F6B-0B32-4393-B1C6-2BE3B7BC88E5}" type="datetimeFigureOut">
               <a:rPr lang="es-MX" smtClean="0"/>
-              <a:t>05/04/2019</a:t>
+              <a:t>08/04/2019</a:t>
             </a:fld>
             <a:endParaRPr lang="es-MX"/>
           </a:p>
@@ -4714,7 +4714,7 @@
           <a:p>
             <a:fld id="{37339F6B-0B32-4393-B1C6-2BE3B7BC88E5}" type="datetimeFigureOut">
               <a:rPr lang="es-MX" smtClean="0"/>
-              <a:t>05/04/2019</a:t>
+              <a:t>08/04/2019</a:t>
             </a:fld>
             <a:endParaRPr lang="es-MX"/>
           </a:p>
@@ -5059,7 +5059,7 @@
           <a:p>
             <a:fld id="{37339F6B-0B32-4393-B1C6-2BE3B7BC88E5}" type="datetimeFigureOut">
               <a:rPr lang="es-MX" smtClean="0"/>
-              <a:t>05/04/2019</a:t>
+              <a:t>08/04/2019</a:t>
             </a:fld>
             <a:endParaRPr lang="es-MX"/>
           </a:p>
@@ -7113,7 +7113,7 @@
           <a:p>
             <a:fld id="{37339F6B-0B32-4393-B1C6-2BE3B7BC88E5}" type="datetimeFigureOut">
               <a:rPr lang="es-MX" smtClean="0"/>
-              <a:t>05/04/2019</a:t>
+              <a:t>08/04/2019</a:t>
             </a:fld>
             <a:endParaRPr lang="es-MX"/>
           </a:p>
@@ -10240,12 +10240,12 @@
           <a:p>
             <a:pPr lvl="4"/>
             <a:r>
-              <a:rPr lang="es-MX" dirty="0" err="1" smtClean="0">
-                <a:solidFill>
-                  <a:schemeClr val="bg1"/>
-                </a:solidFill>
-              </a:rPr>
-              <a:t>Sub.sub.tema</a:t>
+              <a:rPr lang="es-MX" dirty="0" smtClean="0">
+                <a:solidFill>
+                  <a:schemeClr val="bg1"/>
+                </a:solidFill>
+              </a:rPr>
+              <a:t>Sub-sub-tema</a:t>
             </a:r>
             <a:endParaRPr lang="es-MX" dirty="0" smtClean="0">
               <a:solidFill>
@@ -10384,7 +10384,7 @@
         </p:nvSpPr>
         <p:spPr>
           <a:xfrm>
-            <a:off x="0" y="0"/>
+            <a:off x="0" y="8467"/>
             <a:ext cx="12192000" cy="6858000"/>
           </a:xfrm>
           <a:prstGeom prst="rect">
@@ -10794,8 +10794,31 @@
                   <a:schemeClr val="bg1"/>
                 </a:solidFill>
               </a:rPr>
-              <a:t>Justificación</a:t>
-            </a:r>
+              <a:t>Justificación  </a:t>
+            </a:r>
+            <a:r>
+              <a:rPr lang="es-MX" i="1" dirty="0" smtClean="0">
+                <a:solidFill>
+                  <a:schemeClr val="accent6">
+                    <a:lumMod val="50000"/>
+                  </a:schemeClr>
+                </a:solidFill>
+              </a:rPr>
+              <a:t>(¿Por qué es relevante hacer un trabajo sobre el tema que elegí?</a:t>
+            </a:r>
+            <a:r>
+              <a:rPr lang="es-MX" dirty="0" smtClean="0">
+                <a:solidFill>
+                  <a:schemeClr val="bg1"/>
+                </a:solidFill>
+              </a:rPr>
+              <a:t>)</a:t>
+            </a:r>
+            <a:endParaRPr lang="es-MX" dirty="0" smtClean="0">
+              <a:solidFill>
+                <a:schemeClr val="bg1"/>
+              </a:solidFill>
+            </a:endParaRPr>
           </a:p>
           <a:p>
             <a:endParaRPr lang="es-MX" dirty="0">
@@ -10890,6 +10913,54 @@
       </p:sp>
       <p:sp>
         <p:nvSpPr>
+          <p:cNvPr id="2" name="Rectángulo 1"/>
+          <p:cNvSpPr/>
+          <p:nvPr/>
+        </p:nvSpPr>
+        <p:spPr>
+          <a:xfrm>
+            <a:off x="635000" y="1334413"/>
+            <a:ext cx="1557867" cy="595987"/>
+          </a:xfrm>
+          <a:prstGeom prst="rect">
+            <a:avLst/>
+          </a:prstGeom>
+          <a:solidFill>
+            <a:srgbClr val="FFFF00"/>
+          </a:solidFill>
+          <a:ln>
+            <a:solidFill>
+              <a:srgbClr val="FFFF00"/>
+            </a:solidFill>
+          </a:ln>
+        </p:spPr>
+        <p:style>
+          <a:lnRef idx="2">
+            <a:schemeClr val="accent1">
+              <a:shade val="50000"/>
+            </a:schemeClr>
+          </a:lnRef>
+          <a:fillRef idx="1">
+            <a:schemeClr val="accent1"/>
+          </a:fillRef>
+          <a:effectRef idx="0">
+            <a:schemeClr val="accent1"/>
+          </a:effectRef>
+          <a:fontRef idx="minor">
+            <a:schemeClr val="lt1"/>
+          </a:fontRef>
+        </p:style>
+        <p:txBody>
+          <a:bodyPr rtlCol="0" anchor="ctr"/>
+          <a:lstStyle/>
+          <a:p>
+            <a:pPr algn="ctr"/>
+            <a:endParaRPr lang="es-MX"/>
+          </a:p>
+        </p:txBody>
+      </p:sp>
+      <p:sp>
+        <p:nvSpPr>
           <p:cNvPr id="9" name="Título 8"/>
           <p:cNvSpPr>
             <a:spLocks noGrp="1"/>
@@ -11222,13 +11293,20 @@
           </a:lstStyle>
           <a:p>
             <a:r>
-              <a:rPr lang="es-MX" b="1" u="sng" dirty="0" smtClean="0">
+              <a:rPr lang="es-MX" sz="3500" b="1" u="sng" dirty="0" smtClean="0">
                 <a:solidFill>
                   <a:srgbClr val="FF0000"/>
                 </a:solidFill>
-              </a:rPr>
-              <a:t>CITAAAAAAAAAAAS</a:t>
-            </a:r>
+                <a:latin typeface="AR DARLING" panose="02000000000000000000" pitchFamily="2" charset="0"/>
+              </a:rPr>
+              <a:t>CITAS</a:t>
+            </a:r>
+            <a:endParaRPr lang="es-MX" sz="3500" b="1" u="sng" dirty="0" smtClean="0">
+              <a:solidFill>
+                <a:srgbClr val="FF0000"/>
+              </a:solidFill>
+              <a:latin typeface="AR DARLING" panose="02000000000000000000" pitchFamily="2" charset="0"/>
+            </a:endParaRPr>
           </a:p>
           <a:p>
             <a:pPr lvl="1"/>
@@ -11319,11 +11397,6 @@
               </a:rPr>
               <a:t>Si se usan imágenes o tablas, deben llevar una pequeña descripción al pie.</a:t>
             </a:r>
-            <a:endParaRPr lang="es-MX" dirty="0" smtClean="0">
-              <a:solidFill>
-                <a:schemeClr val="bg1"/>
-              </a:solidFill>
-            </a:endParaRPr>
           </a:p>
         </p:txBody>
       </p:sp>
@@ -11736,13 +11809,42 @@
           </a:lstStyle>
           <a:p>
             <a:r>
+              <a:rPr lang="es-MX" b="1" u="sng" dirty="0">
+                <a:solidFill>
+                  <a:srgbClr val="FF0000"/>
+                </a:solidFill>
+              </a:rPr>
+              <a:t>¿</a:t>
+            </a:r>
+            <a:r>
               <a:rPr lang="es-MX" b="1" u="sng" dirty="0" smtClean="0">
                 <a:solidFill>
                   <a:srgbClr val="FF0000"/>
                 </a:solidFill>
               </a:rPr>
-              <a:t>Qué se va a hacer y de qué manera esto aporta algo a la resolución de la pregunta de investigación.</a:t>
-            </a:r>
+              <a:t>Qué </a:t>
+            </a:r>
+            <a:r>
+              <a:rPr lang="es-MX" b="1" u="sng" dirty="0" smtClean="0">
+                <a:solidFill>
+                  <a:srgbClr val="FF0000"/>
+                </a:solidFill>
+              </a:rPr>
+              <a:t>se va a hacer y de qué manera esto aporta algo a la resolución de la pregunta de </a:t>
+            </a:r>
+            <a:r>
+              <a:rPr lang="es-MX" b="1" u="sng" dirty="0" smtClean="0">
+                <a:solidFill>
+                  <a:srgbClr val="FF0000"/>
+                </a:solidFill>
+              </a:rPr>
+              <a:t>investigación?</a:t>
+            </a:r>
+            <a:endParaRPr lang="es-MX" b="1" u="sng" dirty="0" smtClean="0">
+              <a:solidFill>
+                <a:srgbClr val="FF0000"/>
+              </a:solidFill>
+            </a:endParaRPr>
           </a:p>
           <a:p>
             <a:endParaRPr lang="es-MX" dirty="0" smtClean="0">
@@ -12731,6 +12833,36 @@
             </a:r>
           </a:p>
           <a:p>
+            <a:pPr lvl="1"/>
+            <a:r>
+              <a:rPr lang="es-MX" dirty="0" smtClean="0">
+                <a:solidFill>
+                  <a:schemeClr val="bg1"/>
+                </a:solidFill>
+              </a:rPr>
+              <a:t>Se “enfrentan” los distintos enfoques y puntos abordados durante el marco teórico para tratar de dar una explicación coherente a los datos encontrados.</a:t>
+            </a:r>
+          </a:p>
+          <a:p>
+            <a:pPr lvl="1"/>
+            <a:endParaRPr lang="es-MX" dirty="0">
+              <a:solidFill>
+                <a:schemeClr val="bg1"/>
+              </a:solidFill>
+            </a:endParaRPr>
+          </a:p>
+          <a:p>
+            <a:pPr lvl="1"/>
+            <a:r>
+              <a:rPr lang="es-MX" dirty="0" smtClean="0">
+                <a:solidFill>
+                  <a:schemeClr val="bg1"/>
+                </a:solidFill>
+              </a:rPr>
+              <a:t>Es donde ustedes se vuelven autores absolutos, argumentando con sus propias palabras e ideas el por qué creen que sus datos son evidencia a favor, o en contra, de lo que reportaron en el Marco teórico.</a:t>
+            </a:r>
+          </a:p>
+          <a:p>
             <a:endParaRPr lang="es-MX" dirty="0" smtClean="0">
               <a:solidFill>
                 <a:schemeClr val="bg1"/>
@@ -12738,6 +12870,17 @@
             </a:endParaRPr>
           </a:p>
           <a:p>
+            <a:r>
+              <a:rPr lang="es-MX" dirty="0" smtClean="0">
+                <a:solidFill>
+                  <a:schemeClr val="bg1"/>
+                </a:solidFill>
+              </a:rPr>
+              <a:t>Conclusión</a:t>
+            </a:r>
+          </a:p>
+          <a:p>
+            <a:pPr lvl="1"/>
             <a:endParaRPr lang="es-MX" dirty="0">
               <a:solidFill>
                 <a:schemeClr val="bg1"/>
@@ -12745,35 +12888,20 @@
             </a:endParaRPr>
           </a:p>
           <a:p>
-            <a:endParaRPr lang="es-MX" smtClean="0">
-              <a:solidFill>
-                <a:schemeClr val="bg1"/>
-              </a:solidFill>
-            </a:endParaRPr>
-          </a:p>
-          <a:p>
+            <a:pPr lvl="1"/>
+            <a:r>
+              <a:rPr lang="es-MX" dirty="0" smtClean="0">
+                <a:solidFill>
+                  <a:schemeClr val="bg1"/>
+                </a:solidFill>
+              </a:rPr>
+              <a:t>¿Cuál es la gran respuesta que su investigación sugiere al respecto de la Pregunta de Investigación?</a:t>
+            </a:r>
             <a:endParaRPr lang="es-MX" dirty="0" smtClean="0">
               <a:solidFill>
                 <a:schemeClr val="bg1"/>
               </a:solidFill>
             </a:endParaRPr>
-          </a:p>
-          <a:p>
-            <a:endParaRPr lang="es-MX" dirty="0" smtClean="0">
-              <a:solidFill>
-                <a:schemeClr val="bg1"/>
-              </a:solidFill>
-            </a:endParaRPr>
-          </a:p>
-          <a:p>
-            <a:r>
-              <a:rPr lang="es-MX" dirty="0" smtClean="0">
-                <a:solidFill>
-                  <a:schemeClr val="bg1"/>
-                </a:solidFill>
-              </a:rPr>
-              <a:t>Conclusión</a:t>
-            </a:r>
           </a:p>
           <a:p>
             <a:endParaRPr lang="es-MX" dirty="0">
@@ -13238,15 +13366,7 @@
                   <a:schemeClr val="bg1"/>
                 </a:solidFill>
               </a:rPr>
-              <a:t>En orden </a:t>
-            </a:r>
-            <a:r>
-              <a:rPr lang="es-MX" dirty="0" smtClean="0">
-                <a:solidFill>
-                  <a:schemeClr val="bg1"/>
-                </a:solidFill>
-              </a:rPr>
-              <a:t>alfabético</a:t>
+              <a:t>En orden alfabético</a:t>
             </a:r>
           </a:p>
           <a:p>
@@ -13259,13 +13379,48 @@
           <a:p>
             <a:pPr lvl="1"/>
             <a:r>
+              <a:rPr lang="es-MX" b="1" dirty="0" smtClean="0">
+                <a:solidFill>
+                  <a:schemeClr val="bg1"/>
+                </a:solidFill>
+              </a:rPr>
+              <a:t>Autor</a:t>
+            </a:r>
+          </a:p>
+          <a:p>
+            <a:pPr lvl="1"/>
+            <a:r>
+              <a:rPr lang="es-MX" b="1" dirty="0" smtClean="0">
+                <a:solidFill>
+                  <a:schemeClr val="bg1"/>
+                </a:solidFill>
+              </a:rPr>
+              <a:t>(año)</a:t>
+            </a:r>
+          </a:p>
+          <a:p>
+            <a:pPr lvl="1"/>
+            <a:r>
               <a:rPr lang="es-MX" dirty="0" smtClean="0">
                 <a:solidFill>
                   <a:schemeClr val="bg1"/>
                 </a:solidFill>
               </a:rPr>
-              <a:t>Autor</a:t>
-            </a:r>
+              <a:t>Revista / Libro de donde se </a:t>
+            </a:r>
+            <a:r>
+              <a:rPr lang="es-MX" dirty="0" smtClean="0">
+                <a:solidFill>
+                  <a:schemeClr val="bg1"/>
+                </a:solidFill>
+              </a:rPr>
+              <a:t>sacó  *</a:t>
+            </a:r>
+            <a:endParaRPr lang="es-MX" dirty="0" smtClean="0">
+              <a:solidFill>
+                <a:schemeClr val="bg1"/>
+              </a:solidFill>
+            </a:endParaRPr>
           </a:p>
           <a:p>
             <a:pPr lvl="1"/>
@@ -13275,8 +13430,21 @@
                   <a:schemeClr val="bg1"/>
                 </a:solidFill>
               </a:rPr>
-              <a:t>(año)</a:t>
-            </a:r>
+              <a:t>Capítulo / </a:t>
+            </a:r>
+            <a:r>
+              <a:rPr lang="es-MX" dirty="0" smtClean="0">
+                <a:solidFill>
+                  <a:schemeClr val="bg1"/>
+                </a:solidFill>
+              </a:rPr>
+              <a:t>Página *</a:t>
+            </a:r>
+            <a:endParaRPr lang="es-MX" dirty="0" smtClean="0">
+              <a:solidFill>
+                <a:schemeClr val="bg1"/>
+              </a:solidFill>
+            </a:endParaRPr>
           </a:p>
           <a:p>
             <a:pPr lvl="1"/>
@@ -13286,37 +13454,61 @@
                   <a:schemeClr val="bg1"/>
                 </a:solidFill>
               </a:rPr>
-              <a:t>Revista / Libro de donde se sacó</a:t>
+              <a:t>“Recuperado en </a:t>
+            </a:r>
+            <a:r>
+              <a:rPr lang="es-MX" dirty="0" smtClean="0">
+                <a:solidFill>
+                  <a:schemeClr val="bg1"/>
+                </a:solidFill>
+                <a:hlinkClick r:id="rId2"/>
+              </a:rPr>
+              <a:t>www.blablablá.com</a:t>
+            </a:r>
+            <a:r>
+              <a:rPr lang="es-MX" dirty="0" smtClean="0">
+                <a:solidFill>
+                  <a:schemeClr val="bg1"/>
+                </a:solidFill>
+              </a:rPr>
+              <a:t>” *</a:t>
             </a:r>
           </a:p>
           <a:p>
             <a:pPr lvl="1"/>
+            <a:endParaRPr lang="es-MX" dirty="0">
+              <a:solidFill>
+                <a:schemeClr val="bg1"/>
+              </a:solidFill>
+            </a:endParaRPr>
+          </a:p>
+          <a:p>
+            <a:pPr lvl="1"/>
+            <a:endParaRPr lang="es-MX" dirty="0" smtClean="0">
+              <a:solidFill>
+                <a:schemeClr val="bg1"/>
+              </a:solidFill>
+            </a:endParaRPr>
+          </a:p>
+          <a:p>
+            <a:pPr lvl="1"/>
+            <a:endParaRPr lang="es-MX" dirty="0">
+              <a:solidFill>
+                <a:schemeClr val="bg1"/>
+              </a:solidFill>
+            </a:endParaRPr>
+          </a:p>
+          <a:p>
+            <a:pPr marL="457200" lvl="1" indent="0">
+              <a:buNone/>
+            </a:pPr>
             <a:r>
               <a:rPr lang="es-MX" dirty="0" smtClean="0">
                 <a:solidFill>
                   <a:schemeClr val="bg1"/>
                 </a:solidFill>
               </a:rPr>
-              <a:t>Capítulo / Página</a:t>
-            </a:r>
-          </a:p>
-          <a:p>
-            <a:pPr lvl="1"/>
-            <a:r>
-              <a:rPr lang="es-MX" dirty="0" smtClean="0">
-                <a:solidFill>
-                  <a:schemeClr val="bg1"/>
-                </a:solidFill>
-              </a:rPr>
-              <a:t>“Recuperado </a:t>
-            </a:r>
-            <a:r>
-              <a:rPr lang="es-MX" smtClean="0">
-                <a:solidFill>
-                  <a:schemeClr val="bg1"/>
-                </a:solidFill>
-              </a:rPr>
-              <a:t>en www.blablablá.com”</a:t>
+              <a:t>* Si aplica</a:t>
             </a:r>
             <a:endParaRPr lang="es-MX" dirty="0" smtClean="0">
               <a:solidFill>
@@ -13472,46 +13664,18 @@
             <a:r>
               <a:rPr lang="es-MX" b="1" dirty="0" smtClean="0">
                 <a:solidFill>
-                  <a:schemeClr val="bg1"/>
-                </a:solidFill>
-              </a:rPr>
-              <a:t>5 de abril:       		</a:t>
-            </a:r>
-            <a:r>
-              <a:rPr lang="es-MX" dirty="0" smtClean="0">
-                <a:solidFill>
-                  <a:schemeClr val="bg1"/>
-                </a:solidFill>
-              </a:rPr>
-              <a:t>Clase normal</a:t>
-            </a:r>
-          </a:p>
-          <a:p>
+                  <a:schemeClr val="accent1"/>
+                </a:solidFill>
+              </a:rPr>
+              <a:t>19 </a:t>
+            </a:r>
             <a:r>
               <a:rPr lang="es-MX" b="1" dirty="0" smtClean="0">
                 <a:solidFill>
                   <a:schemeClr val="accent1"/>
                 </a:solidFill>
               </a:rPr>
-              <a:t>12 de abril			</a:t>
-            </a:r>
-            <a:r>
-              <a:rPr lang="es-MX" dirty="0" smtClean="0">
-                <a:solidFill>
-                  <a:schemeClr val="accent1"/>
-                </a:solidFill>
-              </a:rPr>
-              <a:t>Feria de las ciencias</a:t>
-            </a:r>
-          </a:p>
-          <a:p>
-            <a:r>
-              <a:rPr lang="es-MX" b="1" dirty="0" smtClean="0">
-                <a:solidFill>
-                  <a:schemeClr val="accent1"/>
-                </a:solidFill>
-              </a:rPr>
-              <a:t>19 y 26 de abril:		</a:t>
+              <a:t>y 26 de abril:		</a:t>
             </a:r>
             <a:r>
               <a:rPr lang="es-MX" dirty="0" smtClean="0">
@@ -14432,46 +14596,18 @@
             <a:r>
               <a:rPr lang="es-MX" b="1" dirty="0" smtClean="0">
                 <a:solidFill>
-                  <a:schemeClr val="bg1"/>
-                </a:solidFill>
-              </a:rPr>
-              <a:t>5 de abril:       		</a:t>
-            </a:r>
-            <a:r>
-              <a:rPr lang="es-MX" dirty="0" smtClean="0">
-                <a:solidFill>
-                  <a:schemeClr val="bg1"/>
-                </a:solidFill>
-              </a:rPr>
-              <a:t>Clase normal</a:t>
-            </a:r>
-          </a:p>
-          <a:p>
+                  <a:schemeClr val="accent1"/>
+                </a:solidFill>
+              </a:rPr>
+              <a:t>19 </a:t>
+            </a:r>
             <a:r>
               <a:rPr lang="es-MX" b="1" dirty="0" smtClean="0">
                 <a:solidFill>
                   <a:schemeClr val="accent1"/>
                 </a:solidFill>
               </a:rPr>
-              <a:t>12 de abril			</a:t>
-            </a:r>
-            <a:r>
-              <a:rPr lang="es-MX" dirty="0" smtClean="0">
-                <a:solidFill>
-                  <a:schemeClr val="accent1"/>
-                </a:solidFill>
-              </a:rPr>
-              <a:t>Feria de las ciencias</a:t>
-            </a:r>
-          </a:p>
-          <a:p>
-            <a:r>
-              <a:rPr lang="es-MX" b="1" dirty="0" smtClean="0">
-                <a:solidFill>
-                  <a:schemeClr val="accent1"/>
-                </a:solidFill>
-              </a:rPr>
-              <a:t>19 y 26 de abril:		</a:t>
+              <a:t>y 26 de abril:		</a:t>
             </a:r>
             <a:r>
               <a:rPr lang="es-MX" dirty="0" smtClean="0">
@@ -15118,7 +15254,15 @@
                   <a:schemeClr val="bg1"/>
                 </a:solidFill>
               </a:rPr>
-              <a:t>5 de abril:       		</a:t>
+              <a:t>12 </a:t>
+            </a:r>
+            <a:r>
+              <a:rPr lang="es-MX" b="1" dirty="0" smtClean="0">
+                <a:solidFill>
+                  <a:schemeClr val="bg1"/>
+                </a:solidFill>
+              </a:rPr>
+              <a:t>de abril			</a:t>
             </a:r>
             <a:r>
               <a:rPr lang="es-MX" dirty="0" smtClean="0">
@@ -15126,26 +15270,13 @@
                   <a:schemeClr val="bg1"/>
                 </a:solidFill>
               </a:rPr>
-              <a:t>Clase normal</a:t>
-            </a:r>
-          </a:p>
-          <a:p>
-            <a:r>
-              <a:rPr lang="es-MX" b="1" dirty="0" smtClean="0">
-                <a:solidFill>
-                  <a:schemeClr val="accent1"/>
-                </a:solidFill>
-              </a:rPr>
-              <a:t>12 de abril			</a:t>
-            </a:r>
-            <a:r>
-              <a:rPr lang="es-MX" dirty="0" smtClean="0">
-                <a:solidFill>
-                  <a:schemeClr val="accent1"/>
-                </a:solidFill>
-              </a:rPr>
-              <a:t>Feria de las ciencias</a:t>
-            </a:r>
+              <a:t>Trabajo CONEXIONES</a:t>
+            </a:r>
+            <a:endParaRPr lang="es-MX" dirty="0" smtClean="0">
+              <a:solidFill>
+                <a:schemeClr val="bg1"/>
+              </a:solidFill>
+            </a:endParaRPr>
           </a:p>
           <a:p>
             <a:r>
